--- a/PPTs/Programación y Laboratorio II-201808.pptx
+++ b/PPTs/Programación y Laboratorio II-201808.pptx
@@ -205,7 +205,7 @@
           <a:p>
             <a:fld id="{1E6648A2-EA33-47F9-96A0-CE144141342A}" type="datetimeFigureOut">
               <a:rPr lang="es-AR" smtClean="0"/>
-              <a:t>02/08/2018</a:t>
+              <a:t>03/08/2018</a:t>
             </a:fld>
             <a:endParaRPr lang="es-AR"/>
           </a:p>
@@ -1275,7 +1275,7 @@
           <a:p>
             <a:fld id="{78ABE3C1-DBE1-495D-B57B-2849774B866A}" type="datetimeFigureOut">
               <a:rPr lang="en-US" dirty="0"/>
-              <a:t>8/2/2018</a:t>
+              <a:t>8/3/2018</a:t>
             </a:fld>
             <a:endParaRPr lang="en-US" dirty="0"/>
           </a:p>
@@ -1684,7 +1684,7 @@
           <a:p>
             <a:fld id="{446C117F-5CCF-4837-BE5F-2B92066CAFAF}" type="datetimeFigureOut">
               <a:rPr lang="en-US" dirty="0"/>
-              <a:t>8/2/2018</a:t>
+              <a:t>8/3/2018</a:t>
             </a:fld>
             <a:endParaRPr lang="en-US" dirty="0"/>
           </a:p>
@@ -2015,7 +2015,7 @@
           <a:p>
             <a:fld id="{84EB90BD-B6CE-46B7-997F-7313B992CCDC}" type="datetimeFigureOut">
               <a:rPr lang="en-US" dirty="0"/>
-              <a:t>8/2/2018</a:t>
+              <a:t>8/3/2018</a:t>
             </a:fld>
             <a:endParaRPr lang="en-US" dirty="0"/>
           </a:p>
@@ -2415,7 +2415,7 @@
           <a:p>
             <a:fld id="{CDB9D11F-B188-461D-B23F-39381795C052}" type="datetimeFigureOut">
               <a:rPr lang="en-US" dirty="0"/>
-              <a:t>8/2/2018</a:t>
+              <a:t>8/3/2018</a:t>
             </a:fld>
             <a:endParaRPr lang="en-US" dirty="0"/>
           </a:p>
@@ -2978,7 +2978,7 @@
           <a:p>
             <a:fld id="{52E6D8D9-55A2-4063-B0F3-121F44549695}" type="datetimeFigureOut">
               <a:rPr lang="en-US" dirty="0"/>
-              <a:t>8/2/2018</a:t>
+              <a:t>8/3/2018</a:t>
             </a:fld>
             <a:endParaRPr lang="en-US" dirty="0"/>
           </a:p>
@@ -3654,7 +3654,7 @@
           <a:p>
             <a:fld id="{D4B24536-994D-4021-A283-9F449C0DB509}" type="datetimeFigureOut">
               <a:rPr lang="en-US" dirty="0"/>
-              <a:t>8/2/2018</a:t>
+              <a:t>8/3/2018</a:t>
             </a:fld>
             <a:endParaRPr lang="en-US" dirty="0"/>
           </a:p>
@@ -4562,7 +4562,7 @@
           <a:p>
             <a:fld id="{3CBBBB78-C96F-47B7-AB17-D852CA960AC9}" type="datetimeFigureOut">
               <a:rPr lang="en-US" dirty="0"/>
-              <a:t>8/2/2018</a:t>
+              <a:t>8/3/2018</a:t>
             </a:fld>
             <a:endParaRPr lang="en-US" dirty="0"/>
           </a:p>
@@ -4870,7 +4870,7 @@
           <a:p>
             <a:fld id="{1FA3F48C-C7C6-4055-9F49-3777875E72AE}" type="datetimeFigureOut">
               <a:rPr lang="en-US" dirty="0"/>
-              <a:t>8/2/2018</a:t>
+              <a:t>8/3/2018</a:t>
             </a:fld>
             <a:endParaRPr lang="en-US" dirty="0"/>
           </a:p>
@@ -5129,7 +5129,7 @@
           <a:p>
             <a:fld id="{6178E61D-D431-422C-9764-11DAFE33AB63}" type="datetimeFigureOut">
               <a:rPr lang="en-US" dirty="0"/>
-              <a:t>8/2/2018</a:t>
+              <a:t>8/3/2018</a:t>
             </a:fld>
             <a:endParaRPr lang="en-US" dirty="0"/>
           </a:p>
@@ -5448,7 +5448,7 @@
           <a:p>
             <a:fld id="{12DE42F4-6EEF-4EF7-8ED4-2208F0F89A08}" type="datetimeFigureOut">
               <a:rPr lang="en-US" dirty="0"/>
-              <a:t>8/2/2018</a:t>
+              <a:t>8/3/2018</a:t>
             </a:fld>
             <a:endParaRPr lang="en-US" dirty="0"/>
           </a:p>
@@ -5832,7 +5832,7 @@
           <a:p>
             <a:fld id="{30578ACC-22D6-47C1-A373-4FD133E34F3C}" type="datetimeFigureOut">
               <a:rPr lang="en-US" dirty="0"/>
-              <a:t>8/2/2018</a:t>
+              <a:t>8/3/2018</a:t>
             </a:fld>
             <a:endParaRPr lang="en-US" dirty="0"/>
           </a:p>
@@ -6203,7 +6203,7 @@
           <a:p>
             <a:fld id="{4E5A6C69-6797-4E8A-BF37-F2C3751466E9}" type="datetimeFigureOut">
               <a:rPr lang="en-US" dirty="0"/>
-              <a:t>8/2/2018</a:t>
+              <a:t>8/3/2018</a:t>
             </a:fld>
             <a:endParaRPr lang="en-US" dirty="0"/>
           </a:p>
@@ -6704,7 +6704,7 @@
           <a:p>
             <a:fld id="{D82014A1-A632-4878-A0D3-F52BA7563730}" type="datetimeFigureOut">
               <a:rPr lang="en-US" dirty="0"/>
-              <a:t>8/2/2018</a:t>
+              <a:t>8/3/2018</a:t>
             </a:fld>
             <a:endParaRPr lang="en-US" dirty="0"/>
           </a:p>
@@ -6956,7 +6956,7 @@
           <a:p>
             <a:fld id="{CE99F462-093F-4566-844B-4C71F2739DA5}" type="datetimeFigureOut">
               <a:rPr lang="en-US" dirty="0"/>
-              <a:t>8/2/2018</a:t>
+              <a:t>8/3/2018</a:t>
             </a:fld>
             <a:endParaRPr lang="en-US" dirty="0"/>
           </a:p>
@@ -7114,7 +7114,7 @@
           <a:p>
             <a:fld id="{3D24A7AC-904D-4781-85BA-7D10C17ED021}" type="datetimeFigureOut">
               <a:rPr lang="en-US" dirty="0"/>
-              <a:t>8/2/2018</a:t>
+              <a:t>8/3/2018</a:t>
             </a:fld>
             <a:endParaRPr lang="en-US" dirty="0"/>
           </a:p>
@@ -7499,7 +7499,7 @@
           <a:p>
             <a:fld id="{E331444B-B92B-4E27-8C94-BB93EAF5CB18}" type="datetimeFigureOut">
               <a:rPr lang="en-US" dirty="0"/>
-              <a:t>8/2/2018</a:t>
+              <a:t>8/3/2018</a:t>
             </a:fld>
             <a:endParaRPr lang="en-US" dirty="0"/>
           </a:p>
@@ -7903,7 +7903,7 @@
           <a:p>
             <a:fld id="{363EFA5E-FA76-400D-B3DC-F0BA90E6D107}" type="datetimeFigureOut">
               <a:rPr lang="en-US" dirty="0"/>
-              <a:t>8/2/2018</a:t>
+              <a:t>8/3/2018</a:t>
             </a:fld>
             <a:endParaRPr lang="en-US" dirty="0"/>
           </a:p>
@@ -8142,7 +8142,7 @@
           <a:p>
             <a:fld id="{9D6E9DEC-419B-4CC5-A080-3B06BD5A8291}" type="datetimeFigureOut">
               <a:rPr lang="en-US" dirty="0"/>
-              <a:t>8/2/2018</a:t>
+              <a:t>8/3/2018</a:t>
             </a:fld>
             <a:endParaRPr lang="en-US" dirty="0"/>
           </a:p>
@@ -9646,6 +9646,18 @@
           <a:lstStyle/>
           <a:p>
             <a:r>
+              <a:rPr lang="es-AR" dirty="0" smtClean="0">
+                <a:effectLst>
+                  <a:outerShdw blurRad="38100" dist="38100" dir="2700000" algn="tl">
+                    <a:srgbClr val="000000">
+                      <a:alpha val="43137"/>
+                    </a:srgbClr>
+                  </a:outerShdw>
+                </a:effectLst>
+              </a:rPr>
+              <a:t>Fecha </a:t>
+            </a:r>
+            <a:r>
               <a:rPr lang="es-AR" dirty="0">
                 <a:effectLst>
                   <a:outerShdw blurRad="38100" dist="38100" dir="2700000" algn="tl">
@@ -9655,7 +9667,43 @@
                   </a:outerShdw>
                 </a:effectLst>
               </a:rPr>
-              <a:t>TP1 - Necesitan clase 06 cumplida - 17/09 </a:t>
+              <a:t>límite de publicación en </a:t>
+            </a:r>
+            <a:r>
+              <a:rPr lang="es-AR" dirty="0" smtClean="0">
+                <a:effectLst>
+                  <a:outerShdw blurRad="38100" dist="38100" dir="2700000" algn="tl">
+                    <a:srgbClr val="000000">
+                      <a:alpha val="43137"/>
+                    </a:srgbClr>
+                  </a:outerShdw>
+                </a:effectLst>
+              </a:rPr>
+              <a:t>GIT:</a:t>
+            </a:r>
+            <a:endParaRPr lang="es-AR" dirty="0">
+              <a:effectLst>
+                <a:outerShdw blurRad="38100" dist="38100" dir="2700000" algn="tl">
+                  <a:srgbClr val="000000">
+                    <a:alpha val="43137"/>
+                  </a:srgbClr>
+                </a:outerShdw>
+              </a:effectLst>
+            </a:endParaRPr>
+          </a:p>
+          <a:p>
+            <a:pPr lvl="1"/>
+            <a:r>
+              <a:rPr lang="es-AR" dirty="0" smtClean="0">
+                <a:effectLst>
+                  <a:outerShdw blurRad="38100" dist="38100" dir="2700000" algn="tl">
+                    <a:srgbClr val="000000">
+                      <a:alpha val="43137"/>
+                    </a:srgbClr>
+                  </a:outerShdw>
+                </a:effectLst>
+              </a:rPr>
+              <a:t>TP1 – 17 de Septiembre </a:t>
             </a:r>
             <a:r>
               <a:rPr lang="es-AR" dirty="0" smtClean="0">
@@ -9683,6 +9731,7 @@
             </a:r>
           </a:p>
           <a:p>
+            <a:pPr lvl="1"/>
             <a:r>
               <a:rPr lang="es-AR" dirty="0">
                 <a:effectLst>
@@ -9693,10 +9742,10 @@
                   </a:outerShdw>
                 </a:effectLst>
               </a:rPr>
-              <a:t>TP2 - Necesitan clase 11 cumplida </a:t>
-            </a:r>
-            <a:r>
-              <a:rPr lang="es-AR">
+              <a:t>TP2 </a:t>
+            </a:r>
+            <a:r>
+              <a:rPr lang="es-AR" dirty="0" smtClean="0">
                 <a:effectLst>
                   <a:outerShdw blurRad="38100" dist="38100" dir="2700000" algn="tl">
                     <a:srgbClr val="000000">
@@ -9705,19 +9754,7 @@
                   </a:outerShdw>
                 </a:effectLst>
               </a:rPr>
-              <a:t>- </a:t>
-            </a:r>
-            <a:r>
-              <a:rPr lang="es-AR" smtClean="0">
-                <a:effectLst>
-                  <a:outerShdw blurRad="38100" dist="38100" dir="2700000" algn="tl">
-                    <a:srgbClr val="000000">
-                      <a:alpha val="43137"/>
-                    </a:srgbClr>
-                  </a:outerShdw>
-                </a:effectLst>
-              </a:rPr>
-              <a:t>01/10 </a:t>
+              <a:t>– 01 de Octubre </a:t>
             </a:r>
             <a:r>
               <a:rPr lang="es-AR" dirty="0" smtClean="0">
@@ -9745,6 +9782,7 @@
             </a:r>
           </a:p>
           <a:p>
+            <a:pPr lvl="1"/>
             <a:r>
               <a:rPr lang="es-AR" dirty="0">
                 <a:effectLst>
@@ -9755,7 +9793,19 @@
                   </a:outerShdw>
                 </a:effectLst>
               </a:rPr>
-              <a:t>TP3 - Necesitan clase 19 cumplida - 05/11 </a:t>
+              <a:t>TP3 </a:t>
+            </a:r>
+            <a:r>
+              <a:rPr lang="es-AR" dirty="0" smtClean="0">
+                <a:effectLst>
+                  <a:outerShdw blurRad="38100" dist="38100" dir="2700000" algn="tl">
+                    <a:srgbClr val="000000">
+                      <a:alpha val="43137"/>
+                    </a:srgbClr>
+                  </a:outerShdw>
+                </a:effectLst>
+              </a:rPr>
+              <a:t>– 05 de Noviembre </a:t>
             </a:r>
             <a:r>
               <a:rPr lang="es-AR" dirty="0" smtClean="0">
@@ -9783,6 +9833,7 @@
             </a:r>
           </a:p>
           <a:p>
+            <a:pPr lvl="1"/>
             <a:r>
               <a:rPr lang="es-AR" dirty="0">
                 <a:effectLst>
@@ -9793,7 +9844,19 @@
                   </a:outerShdw>
                 </a:effectLst>
               </a:rPr>
-              <a:t>TP4 - Necesitan clase 23 cumplida - 26/11 </a:t>
+              <a:t>TP4 </a:t>
+            </a:r>
+            <a:r>
+              <a:rPr lang="es-AR" dirty="0" smtClean="0">
+                <a:effectLst>
+                  <a:outerShdw blurRad="38100" dist="38100" dir="2700000" algn="tl">
+                    <a:srgbClr val="000000">
+                      <a:alpha val="43137"/>
+                    </a:srgbClr>
+                  </a:outerShdw>
+                </a:effectLst>
+              </a:rPr>
+              <a:t>– 26 de Noviembre </a:t>
             </a:r>
             <a:r>
               <a:rPr lang="es-AR" dirty="0" smtClean="0">
@@ -10046,7 +10109,43 @@
                   </a:outerShdw>
                 </a:effectLst>
               </a:rPr>
-              <a:t> son individuales, no se hacen en grupo y la detección de copias será penada.</a:t>
+              <a:t> son individuales, no </a:t>
+            </a:r>
+            <a:r>
+              <a:rPr lang="es-AR" smtClean="0">
+                <a:effectLst>
+                  <a:outerShdw blurRad="38100" dist="38100" dir="2700000" algn="tl">
+                    <a:srgbClr val="000000">
+                      <a:alpha val="43137"/>
+                    </a:srgbClr>
+                  </a:outerShdw>
+                </a:effectLst>
+              </a:rPr>
+              <a:t>se </a:t>
+            </a:r>
+            <a:r>
+              <a:rPr lang="es-AR" smtClean="0">
+                <a:effectLst>
+                  <a:outerShdw blurRad="38100" dist="38100" dir="2700000" algn="tl">
+                    <a:srgbClr val="000000">
+                      <a:alpha val="43137"/>
+                    </a:srgbClr>
+                  </a:outerShdw>
+                </a:effectLst>
+              </a:rPr>
+              <a:t>realizan en </a:t>
+            </a:r>
+            <a:r>
+              <a:rPr lang="es-AR" dirty="0" smtClean="0">
+                <a:effectLst>
+                  <a:outerShdw blurRad="38100" dist="38100" dir="2700000" algn="tl">
+                    <a:srgbClr val="000000">
+                      <a:alpha val="43137"/>
+                    </a:srgbClr>
+                  </a:outerShdw>
+                </a:effectLst>
+              </a:rPr>
+              <a:t>grupo y la detección de copias será penada.</a:t>
             </a:r>
             <a:endParaRPr lang="es-AR" dirty="0">
               <a:effectLst>

--- a/PPTs/Programación y Laboratorio II-201808.pptx
+++ b/PPTs/Programación y Laboratorio II-201808.pptx
@@ -205,7 +205,7 @@
           <a:p>
             <a:fld id="{1E6648A2-EA33-47F9-96A0-CE144141342A}" type="datetimeFigureOut">
               <a:rPr lang="es-AR" smtClean="0"/>
-              <a:t>03/08/2018</a:t>
+              <a:t>21/08/2018</a:t>
             </a:fld>
             <a:endParaRPr lang="es-AR"/>
           </a:p>
@@ -605,26 +605,6 @@
           <a:bodyPr/>
           <a:lstStyle/>
           <a:p>
-            <a:r>
-              <a:rPr lang="es-AR" dirty="0" smtClean="0"/>
-              <a:t>Rojo - Feriados</a:t>
-            </a:r>
-          </a:p>
-          <a:p>
-            <a:r>
-              <a:rPr lang="es-AR" dirty="0" smtClean="0"/>
-              <a:t>Amarillo - Exámenes</a:t>
-            </a:r>
-          </a:p>
-          <a:p>
-            <a:r>
-              <a:rPr lang="es-AR" dirty="0" smtClean="0"/>
-              <a:t>Celeste</a:t>
-            </a:r>
-            <a:r>
-              <a:rPr lang="es-AR" baseline="0" dirty="0" smtClean="0"/>
-              <a:t> – Charla bienvenida nuevo ingreso</a:t>
-            </a:r>
             <a:endParaRPr lang="es-AR" dirty="0"/>
           </a:p>
         </p:txBody>
@@ -1275,7 +1255,7 @@
           <a:p>
             <a:fld id="{78ABE3C1-DBE1-495D-B57B-2849774B866A}" type="datetimeFigureOut">
               <a:rPr lang="en-US" dirty="0"/>
-              <a:t>8/3/2018</a:t>
+              <a:t>8/21/2018</a:t>
             </a:fld>
             <a:endParaRPr lang="en-US" dirty="0"/>
           </a:p>
@@ -1684,7 +1664,7 @@
           <a:p>
             <a:fld id="{446C117F-5CCF-4837-BE5F-2B92066CAFAF}" type="datetimeFigureOut">
               <a:rPr lang="en-US" dirty="0"/>
-              <a:t>8/3/2018</a:t>
+              <a:t>8/21/2018</a:t>
             </a:fld>
             <a:endParaRPr lang="en-US" dirty="0"/>
           </a:p>
@@ -2015,7 +1995,7 @@
           <a:p>
             <a:fld id="{84EB90BD-B6CE-46B7-997F-7313B992CCDC}" type="datetimeFigureOut">
               <a:rPr lang="en-US" dirty="0"/>
-              <a:t>8/3/2018</a:t>
+              <a:t>8/21/2018</a:t>
             </a:fld>
             <a:endParaRPr lang="en-US" dirty="0"/>
           </a:p>
@@ -2415,7 +2395,7 @@
           <a:p>
             <a:fld id="{CDB9D11F-B188-461D-B23F-39381795C052}" type="datetimeFigureOut">
               <a:rPr lang="en-US" dirty="0"/>
-              <a:t>8/3/2018</a:t>
+              <a:t>8/21/2018</a:t>
             </a:fld>
             <a:endParaRPr lang="en-US" dirty="0"/>
           </a:p>
@@ -2978,7 +2958,7 @@
           <a:p>
             <a:fld id="{52E6D8D9-55A2-4063-B0F3-121F44549695}" type="datetimeFigureOut">
               <a:rPr lang="en-US" dirty="0"/>
-              <a:t>8/3/2018</a:t>
+              <a:t>8/21/2018</a:t>
             </a:fld>
             <a:endParaRPr lang="en-US" dirty="0"/>
           </a:p>
@@ -3654,7 +3634,7 @@
           <a:p>
             <a:fld id="{D4B24536-994D-4021-A283-9F449C0DB509}" type="datetimeFigureOut">
               <a:rPr lang="en-US" dirty="0"/>
-              <a:t>8/3/2018</a:t>
+              <a:t>8/21/2018</a:t>
             </a:fld>
             <a:endParaRPr lang="en-US" dirty="0"/>
           </a:p>
@@ -4562,7 +4542,7 @@
           <a:p>
             <a:fld id="{3CBBBB78-C96F-47B7-AB17-D852CA960AC9}" type="datetimeFigureOut">
               <a:rPr lang="en-US" dirty="0"/>
-              <a:t>8/3/2018</a:t>
+              <a:t>8/21/2018</a:t>
             </a:fld>
             <a:endParaRPr lang="en-US" dirty="0"/>
           </a:p>
@@ -4870,7 +4850,7 @@
           <a:p>
             <a:fld id="{1FA3F48C-C7C6-4055-9F49-3777875E72AE}" type="datetimeFigureOut">
               <a:rPr lang="en-US" dirty="0"/>
-              <a:t>8/3/2018</a:t>
+              <a:t>8/21/2018</a:t>
             </a:fld>
             <a:endParaRPr lang="en-US" dirty="0"/>
           </a:p>
@@ -5129,7 +5109,7 @@
           <a:p>
             <a:fld id="{6178E61D-D431-422C-9764-11DAFE33AB63}" type="datetimeFigureOut">
               <a:rPr lang="en-US" dirty="0"/>
-              <a:t>8/3/2018</a:t>
+              <a:t>8/21/2018</a:t>
             </a:fld>
             <a:endParaRPr lang="en-US" dirty="0"/>
           </a:p>
@@ -5448,7 +5428,7 @@
           <a:p>
             <a:fld id="{12DE42F4-6EEF-4EF7-8ED4-2208F0F89A08}" type="datetimeFigureOut">
               <a:rPr lang="en-US" dirty="0"/>
-              <a:t>8/3/2018</a:t>
+              <a:t>8/21/2018</a:t>
             </a:fld>
             <a:endParaRPr lang="en-US" dirty="0"/>
           </a:p>
@@ -5832,7 +5812,7 @@
           <a:p>
             <a:fld id="{30578ACC-22D6-47C1-A373-4FD133E34F3C}" type="datetimeFigureOut">
               <a:rPr lang="en-US" dirty="0"/>
-              <a:t>8/3/2018</a:t>
+              <a:t>8/21/2018</a:t>
             </a:fld>
             <a:endParaRPr lang="en-US" dirty="0"/>
           </a:p>
@@ -6203,7 +6183,7 @@
           <a:p>
             <a:fld id="{4E5A6C69-6797-4E8A-BF37-F2C3751466E9}" type="datetimeFigureOut">
               <a:rPr lang="en-US" dirty="0"/>
-              <a:t>8/3/2018</a:t>
+              <a:t>8/21/2018</a:t>
             </a:fld>
             <a:endParaRPr lang="en-US" dirty="0"/>
           </a:p>
@@ -6704,7 +6684,7 @@
           <a:p>
             <a:fld id="{D82014A1-A632-4878-A0D3-F52BA7563730}" type="datetimeFigureOut">
               <a:rPr lang="en-US" dirty="0"/>
-              <a:t>8/3/2018</a:t>
+              <a:t>8/21/2018</a:t>
             </a:fld>
             <a:endParaRPr lang="en-US" dirty="0"/>
           </a:p>
@@ -6956,7 +6936,7 @@
           <a:p>
             <a:fld id="{CE99F462-093F-4566-844B-4C71F2739DA5}" type="datetimeFigureOut">
               <a:rPr lang="en-US" dirty="0"/>
-              <a:t>8/3/2018</a:t>
+              <a:t>8/21/2018</a:t>
             </a:fld>
             <a:endParaRPr lang="en-US" dirty="0"/>
           </a:p>
@@ -7114,7 +7094,7 @@
           <a:p>
             <a:fld id="{3D24A7AC-904D-4781-85BA-7D10C17ED021}" type="datetimeFigureOut">
               <a:rPr lang="en-US" dirty="0"/>
-              <a:t>8/3/2018</a:t>
+              <a:t>8/21/2018</a:t>
             </a:fld>
             <a:endParaRPr lang="en-US" dirty="0"/>
           </a:p>
@@ -7499,7 +7479,7 @@
           <a:p>
             <a:fld id="{E331444B-B92B-4E27-8C94-BB93EAF5CB18}" type="datetimeFigureOut">
               <a:rPr lang="en-US" dirty="0"/>
-              <a:t>8/3/2018</a:t>
+              <a:t>8/21/2018</a:t>
             </a:fld>
             <a:endParaRPr lang="en-US" dirty="0"/>
           </a:p>
@@ -7903,7 +7883,7 @@
           <a:p>
             <a:fld id="{363EFA5E-FA76-400D-B3DC-F0BA90E6D107}" type="datetimeFigureOut">
               <a:rPr lang="en-US" dirty="0"/>
-              <a:t>8/3/2018</a:t>
+              <a:t>8/21/2018</a:t>
             </a:fld>
             <a:endParaRPr lang="en-US" dirty="0"/>
           </a:p>
@@ -8142,7 +8122,7 @@
           <a:p>
             <a:fld id="{9D6E9DEC-419B-4CC5-A080-3B06BD5A8291}" type="datetimeFigureOut">
               <a:rPr lang="en-US" dirty="0"/>
-              <a:t>8/3/2018</a:t>
+              <a:t>8/21/2018</a:t>
             </a:fld>
             <a:endParaRPr lang="en-US" dirty="0"/>
           </a:p>
@@ -9347,11 +9327,10 @@
                   </a:outerShdw>
                 </a:effectLst>
               </a:rPr>
-              <a:t>Programación II</a:t>
-            </a:r>
-          </a:p>
-          <a:p>
-            <a:pPr lvl="1"/>
+              <a:t>Fechas tentativas de examen (podrán cambiar durante la cursada)</a:t>
+            </a:r>
+          </a:p>
+          <a:p>
             <a:r>
               <a:rPr lang="es-AR" dirty="0" smtClean="0">
                 <a:effectLst>
@@ -9362,7 +9341,58 @@
                   </a:outerShdw>
                 </a:effectLst>
               </a:rPr>
-              <a:t>Cursada día Miércoles: 10 de Octubre 18:30hs</a:t>
+              <a:t>Programación </a:t>
+            </a:r>
+            <a:r>
+              <a:rPr lang="es-AR" dirty="0" smtClean="0">
+                <a:effectLst>
+                  <a:outerShdw blurRad="38100" dist="38100" dir="2700000" algn="tl">
+                    <a:srgbClr val="000000">
+                      <a:alpha val="43137"/>
+                    </a:srgbClr>
+                  </a:outerShdw>
+                </a:effectLst>
+              </a:rPr>
+              <a:t>II</a:t>
+            </a:r>
+          </a:p>
+          <a:p>
+            <a:pPr lvl="1"/>
+            <a:r>
+              <a:rPr lang="es-AR" dirty="0" smtClean="0">
+                <a:effectLst>
+                  <a:outerShdw blurRad="38100" dist="38100" dir="2700000" algn="tl">
+                    <a:srgbClr val="000000">
+                      <a:alpha val="43137"/>
+                    </a:srgbClr>
+                  </a:outerShdw>
+                </a:effectLst>
+              </a:rPr>
+              <a:t>Cursada día Miércoles: 10 de </a:t>
+            </a:r>
+            <a:r>
+              <a:rPr lang="es-AR" dirty="0" smtClean="0">
+                <a:effectLst>
+                  <a:outerShdw blurRad="38100" dist="38100" dir="2700000" algn="tl">
+                    <a:srgbClr val="000000">
+                      <a:alpha val="43137"/>
+                    </a:srgbClr>
+                  </a:outerShdw>
+                </a:effectLst>
+              </a:rPr>
+              <a:t>Octubre y 21 de Noviembre </a:t>
+            </a:r>
+            <a:r>
+              <a:rPr lang="es-AR" dirty="0" smtClean="0">
+                <a:effectLst>
+                  <a:outerShdw blurRad="38100" dist="38100" dir="2700000" algn="tl">
+                    <a:srgbClr val="000000">
+                      <a:alpha val="43137"/>
+                    </a:srgbClr>
+                  </a:outerShdw>
+                </a:effectLst>
+              </a:rPr>
+              <a:t>18:30hs</a:t>
             </a:r>
           </a:p>
           <a:p>
@@ -9402,7 +9432,31 @@
                   </a:outerShdw>
                 </a:effectLst>
               </a:rPr>
-              <a:t>Cursada día Martes: 2 de Octubre 18:30hs</a:t>
+              <a:t>Cursada día Martes: 2 de </a:t>
+            </a:r>
+            <a:r>
+              <a:rPr lang="es-AR" dirty="0" smtClean="0">
+                <a:effectLst>
+                  <a:outerShdw blurRad="38100" dist="38100" dir="2700000" algn="tl">
+                    <a:srgbClr val="000000">
+                      <a:alpha val="43137"/>
+                    </a:srgbClr>
+                  </a:outerShdw>
+                </a:effectLst>
+              </a:rPr>
+              <a:t>Octubre y 13 de Noviembre </a:t>
+            </a:r>
+            <a:r>
+              <a:rPr lang="es-AR" dirty="0" smtClean="0">
+                <a:effectLst>
+                  <a:outerShdw blurRad="38100" dist="38100" dir="2700000" algn="tl">
+                    <a:srgbClr val="000000">
+                      <a:alpha val="43137"/>
+                    </a:srgbClr>
+                  </a:outerShdw>
+                </a:effectLst>
+              </a:rPr>
+              <a:t>18:30hs</a:t>
             </a:r>
           </a:p>
           <a:p>
@@ -9429,7 +9483,31 @@
                   </a:outerShdw>
                 </a:effectLst>
               </a:rPr>
-              <a:t>4 de Octubre 18:30hs</a:t>
+              <a:t>4 de </a:t>
+            </a:r>
+            <a:r>
+              <a:rPr lang="es-AR" dirty="0" smtClean="0">
+                <a:effectLst>
+                  <a:outerShdw blurRad="38100" dist="38100" dir="2700000" algn="tl">
+                    <a:srgbClr val="000000">
+                      <a:alpha val="43137"/>
+                    </a:srgbClr>
+                  </a:outerShdw>
+                </a:effectLst>
+              </a:rPr>
+              <a:t>Octubre y 15 de Noviembre </a:t>
+            </a:r>
+            <a:r>
+              <a:rPr lang="es-AR" dirty="0">
+                <a:effectLst>
+                  <a:outerShdw blurRad="38100" dist="38100" dir="2700000" algn="tl">
+                    <a:srgbClr val="000000">
+                      <a:alpha val="43137"/>
+                    </a:srgbClr>
+                  </a:outerShdw>
+                </a:effectLst>
+              </a:rPr>
+              <a:t>18:30hs</a:t>
             </a:r>
           </a:p>
           <a:p>
@@ -9703,7 +9781,256 @@
                   </a:outerShdw>
                 </a:effectLst>
               </a:rPr>
-              <a:t>TP1 – 17 de Septiembre </a:t>
+              <a:t>TP1 – 17 de Septiembre 10</a:t>
+            </a:r>
+            <a:r>
+              <a:rPr lang="es-AR" dirty="0">
+                <a:effectLst>
+                  <a:outerShdw blurRad="38100" dist="38100" dir="2700000" algn="tl">
+                    <a:srgbClr val="000000">
+                      <a:alpha val="43137"/>
+                    </a:srgbClr>
+                  </a:outerShdw>
+                </a:effectLst>
+              </a:rPr>
+              <a:t> a.m.</a:t>
+            </a:r>
+          </a:p>
+          <a:p>
+            <a:pPr lvl="1"/>
+            <a:r>
+              <a:rPr lang="es-AR" dirty="0">
+                <a:effectLst>
+                  <a:outerShdw blurRad="38100" dist="38100" dir="2700000" algn="tl">
+                    <a:srgbClr val="000000">
+                      <a:alpha val="43137"/>
+                    </a:srgbClr>
+                  </a:outerShdw>
+                </a:effectLst>
+              </a:rPr>
+              <a:t>TP2 </a:t>
+            </a:r>
+            <a:r>
+              <a:rPr lang="es-AR" dirty="0" smtClean="0">
+                <a:effectLst>
+                  <a:outerShdw blurRad="38100" dist="38100" dir="2700000" algn="tl">
+                    <a:srgbClr val="000000">
+                      <a:alpha val="43137"/>
+                    </a:srgbClr>
+                  </a:outerShdw>
+                </a:effectLst>
+              </a:rPr>
+              <a:t>– 01 de Octubre 10</a:t>
+            </a:r>
+            <a:r>
+              <a:rPr lang="es-AR" dirty="0">
+                <a:effectLst>
+                  <a:outerShdw blurRad="38100" dist="38100" dir="2700000" algn="tl">
+                    <a:srgbClr val="000000">
+                      <a:alpha val="43137"/>
+                    </a:srgbClr>
+                  </a:outerShdw>
+                </a:effectLst>
+              </a:rPr>
+              <a:t> a.m.</a:t>
+            </a:r>
+          </a:p>
+          <a:p>
+            <a:pPr lvl="1"/>
+            <a:r>
+              <a:rPr lang="es-AR" dirty="0">
+                <a:effectLst>
+                  <a:outerShdw blurRad="38100" dist="38100" dir="2700000" algn="tl">
+                    <a:srgbClr val="000000">
+                      <a:alpha val="43137"/>
+                    </a:srgbClr>
+                  </a:outerShdw>
+                </a:effectLst>
+              </a:rPr>
+              <a:t>TP3 </a:t>
+            </a:r>
+            <a:r>
+              <a:rPr lang="es-AR" dirty="0" smtClean="0">
+                <a:effectLst>
+                  <a:outerShdw blurRad="38100" dist="38100" dir="2700000" algn="tl">
+                    <a:srgbClr val="000000">
+                      <a:alpha val="43137"/>
+                    </a:srgbClr>
+                  </a:outerShdw>
+                </a:effectLst>
+              </a:rPr>
+              <a:t>– 05 de Noviembre 10</a:t>
+            </a:r>
+            <a:r>
+              <a:rPr lang="es-AR" dirty="0">
+                <a:effectLst>
+                  <a:outerShdw blurRad="38100" dist="38100" dir="2700000" algn="tl">
+                    <a:srgbClr val="000000">
+                      <a:alpha val="43137"/>
+                    </a:srgbClr>
+                  </a:outerShdw>
+                </a:effectLst>
+              </a:rPr>
+              <a:t> a.m.</a:t>
+            </a:r>
+          </a:p>
+          <a:p>
+            <a:pPr lvl="1"/>
+            <a:r>
+              <a:rPr lang="es-AR" dirty="0">
+                <a:effectLst>
+                  <a:outerShdw blurRad="38100" dist="38100" dir="2700000" algn="tl">
+                    <a:srgbClr val="000000">
+                      <a:alpha val="43137"/>
+                    </a:srgbClr>
+                  </a:outerShdw>
+                </a:effectLst>
+              </a:rPr>
+              <a:t>TP4 </a:t>
+            </a:r>
+            <a:r>
+              <a:rPr lang="es-AR" dirty="0" smtClean="0">
+                <a:effectLst>
+                  <a:outerShdw blurRad="38100" dist="38100" dir="2700000" algn="tl">
+                    <a:srgbClr val="000000">
+                      <a:alpha val="43137"/>
+                    </a:srgbClr>
+                  </a:outerShdw>
+                </a:effectLst>
+              </a:rPr>
+              <a:t>– 26 de Noviembre 10 a.m.</a:t>
+            </a:r>
+          </a:p>
+          <a:p>
+            <a:endParaRPr lang="es-AR" dirty="0">
+              <a:effectLst>
+                <a:outerShdw blurRad="38100" dist="38100" dir="2700000" algn="tl">
+                  <a:srgbClr val="000000">
+                    <a:alpha val="43137"/>
+                  </a:srgbClr>
+                </a:outerShdw>
+              </a:effectLst>
+            </a:endParaRPr>
+          </a:p>
+          <a:p>
+            <a:r>
+              <a:rPr lang="es-AR" dirty="0" smtClean="0">
+                <a:effectLst>
+                  <a:outerShdw blurRad="38100" dist="38100" dir="2700000" algn="tl">
+                    <a:srgbClr val="000000">
+                      <a:alpha val="43137"/>
+                    </a:srgbClr>
+                  </a:outerShdw>
+                </a:effectLst>
+              </a:rPr>
+              <a:t>1er </a:t>
+            </a:r>
+            <a:r>
+              <a:rPr lang="es-AR" dirty="0" err="1" smtClean="0">
+                <a:effectLst>
+                  <a:outerShdw blurRad="38100" dist="38100" dir="2700000" algn="tl">
+                    <a:srgbClr val="000000">
+                      <a:alpha val="43137"/>
+                    </a:srgbClr>
+                  </a:outerShdw>
+                </a:effectLst>
+              </a:rPr>
+              <a:t>recuperatorio</a:t>
+            </a:r>
+            <a:r>
+              <a:rPr lang="es-AR" dirty="0" smtClean="0">
+                <a:effectLst>
+                  <a:outerShdw blurRad="38100" dist="38100" dir="2700000" algn="tl">
+                    <a:srgbClr val="000000">
+                      <a:alpha val="43137"/>
+                    </a:srgbClr>
+                  </a:outerShdw>
+                </a:effectLst>
+              </a:rPr>
+              <a:t>: 3 de </a:t>
+            </a:r>
+            <a:r>
+              <a:rPr lang="es-AR" dirty="0">
+                <a:effectLst>
+                  <a:outerShdw blurRad="38100" dist="38100" dir="2700000" algn="tl">
+                    <a:srgbClr val="000000">
+                      <a:alpha val="43137"/>
+                    </a:srgbClr>
+                  </a:outerShdw>
+                </a:effectLst>
+              </a:rPr>
+              <a:t>diciembre 10 a.m.</a:t>
+            </a:r>
+            <a:endParaRPr lang="es-AR" dirty="0" smtClean="0">
+              <a:effectLst>
+                <a:outerShdw blurRad="38100" dist="38100" dir="2700000" algn="tl">
+                  <a:srgbClr val="000000">
+                    <a:alpha val="43137"/>
+                  </a:srgbClr>
+                </a:outerShdw>
+              </a:effectLst>
+            </a:endParaRPr>
+          </a:p>
+          <a:p>
+            <a:r>
+              <a:rPr lang="es-AR" dirty="0" smtClean="0">
+                <a:effectLst>
+                  <a:outerShdw blurRad="38100" dist="38100" dir="2700000" algn="tl">
+                    <a:srgbClr val="000000">
+                      <a:alpha val="43137"/>
+                    </a:srgbClr>
+                  </a:outerShdw>
+                </a:effectLst>
+              </a:rPr>
+              <a:t>2do </a:t>
+            </a:r>
+            <a:r>
+              <a:rPr lang="es-AR" dirty="0" err="1" smtClean="0">
+                <a:effectLst>
+                  <a:outerShdw blurRad="38100" dist="38100" dir="2700000" algn="tl">
+                    <a:srgbClr val="000000">
+                      <a:alpha val="43137"/>
+                    </a:srgbClr>
+                  </a:outerShdw>
+                </a:effectLst>
+              </a:rPr>
+              <a:t>recuperatorio</a:t>
+            </a:r>
+            <a:r>
+              <a:rPr lang="es-AR" dirty="0">
+                <a:effectLst>
+                  <a:outerShdw blurRad="38100" dist="38100" dir="2700000" algn="tl">
+                    <a:srgbClr val="000000">
+                      <a:alpha val="43137"/>
+                    </a:srgbClr>
+                  </a:outerShdw>
+                </a:effectLst>
+              </a:rPr>
+              <a:t>: </a:t>
+            </a:r>
+            <a:r>
+              <a:rPr lang="es-AR" dirty="0" smtClean="0">
+                <a:effectLst>
+                  <a:outerShdw blurRad="38100" dist="38100" dir="2700000" algn="tl">
+                    <a:srgbClr val="000000">
+                      <a:alpha val="43137"/>
+                    </a:srgbClr>
+                  </a:outerShdw>
+                </a:effectLst>
+              </a:rPr>
+              <a:t>10 </a:t>
+            </a:r>
+            <a:r>
+              <a:rPr lang="es-AR" dirty="0">
+                <a:effectLst>
+                  <a:outerShdw blurRad="38100" dist="38100" dir="2700000" algn="tl">
+                    <a:srgbClr val="000000">
+                      <a:alpha val="43137"/>
+                    </a:srgbClr>
+                  </a:outerShdw>
+                </a:effectLst>
+              </a:rPr>
+              <a:t>de diciembre </a:t>
             </a:r>
             <a:r>
               <a:rPr lang="es-AR" dirty="0" smtClean="0">
@@ -9729,303 +10056,6 @@
               </a:rPr>
               <a:t> a.m.</a:t>
             </a:r>
-          </a:p>
-          <a:p>
-            <a:pPr lvl="1"/>
-            <a:r>
-              <a:rPr lang="es-AR" dirty="0">
-                <a:effectLst>
-                  <a:outerShdw blurRad="38100" dist="38100" dir="2700000" algn="tl">
-                    <a:srgbClr val="000000">
-                      <a:alpha val="43137"/>
-                    </a:srgbClr>
-                  </a:outerShdw>
-                </a:effectLst>
-              </a:rPr>
-              <a:t>TP2 </a:t>
-            </a:r>
-            <a:r>
-              <a:rPr lang="es-AR" dirty="0" smtClean="0">
-                <a:effectLst>
-                  <a:outerShdw blurRad="38100" dist="38100" dir="2700000" algn="tl">
-                    <a:srgbClr val="000000">
-                      <a:alpha val="43137"/>
-                    </a:srgbClr>
-                  </a:outerShdw>
-                </a:effectLst>
-              </a:rPr>
-              <a:t>– 01 de Octubre </a:t>
-            </a:r>
-            <a:r>
-              <a:rPr lang="es-AR" dirty="0" smtClean="0">
-                <a:effectLst>
-                  <a:outerShdw blurRad="38100" dist="38100" dir="2700000" algn="tl">
-                    <a:srgbClr val="000000">
-                      <a:alpha val="43137"/>
-                    </a:srgbClr>
-                  </a:outerShdw>
-                </a:effectLst>
-              </a:rPr>
-              <a:t>10</a:t>
-            </a:r>
-            <a:r>
-              <a:rPr lang="es-AR" dirty="0">
-                <a:effectLst>
-                  <a:outerShdw blurRad="38100" dist="38100" dir="2700000" algn="tl">
-                    <a:srgbClr val="000000">
-                      <a:alpha val="43137"/>
-                    </a:srgbClr>
-                  </a:outerShdw>
-                </a:effectLst>
-              </a:rPr>
-              <a:t> a.m.</a:t>
-            </a:r>
-          </a:p>
-          <a:p>
-            <a:pPr lvl="1"/>
-            <a:r>
-              <a:rPr lang="es-AR" dirty="0">
-                <a:effectLst>
-                  <a:outerShdw blurRad="38100" dist="38100" dir="2700000" algn="tl">
-                    <a:srgbClr val="000000">
-                      <a:alpha val="43137"/>
-                    </a:srgbClr>
-                  </a:outerShdw>
-                </a:effectLst>
-              </a:rPr>
-              <a:t>TP3 </a:t>
-            </a:r>
-            <a:r>
-              <a:rPr lang="es-AR" dirty="0" smtClean="0">
-                <a:effectLst>
-                  <a:outerShdw blurRad="38100" dist="38100" dir="2700000" algn="tl">
-                    <a:srgbClr val="000000">
-                      <a:alpha val="43137"/>
-                    </a:srgbClr>
-                  </a:outerShdw>
-                </a:effectLst>
-              </a:rPr>
-              <a:t>– 05 de Noviembre </a:t>
-            </a:r>
-            <a:r>
-              <a:rPr lang="es-AR" dirty="0" smtClean="0">
-                <a:effectLst>
-                  <a:outerShdw blurRad="38100" dist="38100" dir="2700000" algn="tl">
-                    <a:srgbClr val="000000">
-                      <a:alpha val="43137"/>
-                    </a:srgbClr>
-                  </a:outerShdw>
-                </a:effectLst>
-              </a:rPr>
-              <a:t>10</a:t>
-            </a:r>
-            <a:r>
-              <a:rPr lang="es-AR" dirty="0">
-                <a:effectLst>
-                  <a:outerShdw blurRad="38100" dist="38100" dir="2700000" algn="tl">
-                    <a:srgbClr val="000000">
-                      <a:alpha val="43137"/>
-                    </a:srgbClr>
-                  </a:outerShdw>
-                </a:effectLst>
-              </a:rPr>
-              <a:t> a.m.</a:t>
-            </a:r>
-          </a:p>
-          <a:p>
-            <a:pPr lvl="1"/>
-            <a:r>
-              <a:rPr lang="es-AR" dirty="0">
-                <a:effectLst>
-                  <a:outerShdw blurRad="38100" dist="38100" dir="2700000" algn="tl">
-                    <a:srgbClr val="000000">
-                      <a:alpha val="43137"/>
-                    </a:srgbClr>
-                  </a:outerShdw>
-                </a:effectLst>
-              </a:rPr>
-              <a:t>TP4 </a:t>
-            </a:r>
-            <a:r>
-              <a:rPr lang="es-AR" dirty="0" smtClean="0">
-                <a:effectLst>
-                  <a:outerShdw blurRad="38100" dist="38100" dir="2700000" algn="tl">
-                    <a:srgbClr val="000000">
-                      <a:alpha val="43137"/>
-                    </a:srgbClr>
-                  </a:outerShdw>
-                </a:effectLst>
-              </a:rPr>
-              <a:t>– 26 de Noviembre </a:t>
-            </a:r>
-            <a:r>
-              <a:rPr lang="es-AR" dirty="0" smtClean="0">
-                <a:effectLst>
-                  <a:outerShdw blurRad="38100" dist="38100" dir="2700000" algn="tl">
-                    <a:srgbClr val="000000">
-                      <a:alpha val="43137"/>
-                    </a:srgbClr>
-                  </a:outerShdw>
-                </a:effectLst>
-              </a:rPr>
-              <a:t>10 a.m.</a:t>
-            </a:r>
-          </a:p>
-          <a:p>
-            <a:endParaRPr lang="es-AR" dirty="0">
-              <a:effectLst>
-                <a:outerShdw blurRad="38100" dist="38100" dir="2700000" algn="tl">
-                  <a:srgbClr val="000000">
-                    <a:alpha val="43137"/>
-                  </a:srgbClr>
-                </a:outerShdw>
-              </a:effectLst>
-            </a:endParaRPr>
-          </a:p>
-          <a:p>
-            <a:r>
-              <a:rPr lang="es-AR" dirty="0" smtClean="0">
-                <a:effectLst>
-                  <a:outerShdw blurRad="38100" dist="38100" dir="2700000" algn="tl">
-                    <a:srgbClr val="000000">
-                      <a:alpha val="43137"/>
-                    </a:srgbClr>
-                  </a:outerShdw>
-                </a:effectLst>
-              </a:rPr>
-              <a:t>1er </a:t>
-            </a:r>
-            <a:r>
-              <a:rPr lang="es-AR" dirty="0" err="1" smtClean="0">
-                <a:effectLst>
-                  <a:outerShdw blurRad="38100" dist="38100" dir="2700000" algn="tl">
-                    <a:srgbClr val="000000">
-                      <a:alpha val="43137"/>
-                    </a:srgbClr>
-                  </a:outerShdw>
-                </a:effectLst>
-              </a:rPr>
-              <a:t>recuperatorio</a:t>
-            </a:r>
-            <a:r>
-              <a:rPr lang="es-AR" dirty="0" smtClean="0">
-                <a:effectLst>
-                  <a:outerShdw blurRad="38100" dist="38100" dir="2700000" algn="tl">
-                    <a:srgbClr val="000000">
-                      <a:alpha val="43137"/>
-                    </a:srgbClr>
-                  </a:outerShdw>
-                </a:effectLst>
-              </a:rPr>
-              <a:t>: 3 de </a:t>
-            </a:r>
-            <a:r>
-              <a:rPr lang="es-AR" dirty="0">
-                <a:effectLst>
-                  <a:outerShdw blurRad="38100" dist="38100" dir="2700000" algn="tl">
-                    <a:srgbClr val="000000">
-                      <a:alpha val="43137"/>
-                    </a:srgbClr>
-                  </a:outerShdw>
-                </a:effectLst>
-              </a:rPr>
-              <a:t>diciembre 10 a.m.</a:t>
-            </a:r>
-            <a:endParaRPr lang="es-AR" dirty="0" smtClean="0">
-              <a:effectLst>
-                <a:outerShdw blurRad="38100" dist="38100" dir="2700000" algn="tl">
-                  <a:srgbClr val="000000">
-                    <a:alpha val="43137"/>
-                  </a:srgbClr>
-                </a:outerShdw>
-              </a:effectLst>
-            </a:endParaRPr>
-          </a:p>
-          <a:p>
-            <a:r>
-              <a:rPr lang="es-AR" dirty="0" smtClean="0">
-                <a:effectLst>
-                  <a:outerShdw blurRad="38100" dist="38100" dir="2700000" algn="tl">
-                    <a:srgbClr val="000000">
-                      <a:alpha val="43137"/>
-                    </a:srgbClr>
-                  </a:outerShdw>
-                </a:effectLst>
-              </a:rPr>
-              <a:t>2do </a:t>
-            </a:r>
-            <a:r>
-              <a:rPr lang="es-AR" dirty="0" err="1" smtClean="0">
-                <a:effectLst>
-                  <a:outerShdw blurRad="38100" dist="38100" dir="2700000" algn="tl">
-                    <a:srgbClr val="000000">
-                      <a:alpha val="43137"/>
-                    </a:srgbClr>
-                  </a:outerShdw>
-                </a:effectLst>
-              </a:rPr>
-              <a:t>recuperatorio</a:t>
-            </a:r>
-            <a:r>
-              <a:rPr lang="es-AR" dirty="0">
-                <a:effectLst>
-                  <a:outerShdw blurRad="38100" dist="38100" dir="2700000" algn="tl">
-                    <a:srgbClr val="000000">
-                      <a:alpha val="43137"/>
-                    </a:srgbClr>
-                  </a:outerShdw>
-                </a:effectLst>
-              </a:rPr>
-              <a:t>: </a:t>
-            </a:r>
-            <a:r>
-              <a:rPr lang="es-AR" dirty="0" smtClean="0">
-                <a:effectLst>
-                  <a:outerShdw blurRad="38100" dist="38100" dir="2700000" algn="tl">
-                    <a:srgbClr val="000000">
-                      <a:alpha val="43137"/>
-                    </a:srgbClr>
-                  </a:outerShdw>
-                </a:effectLst>
-              </a:rPr>
-              <a:t>10 </a:t>
-            </a:r>
-            <a:r>
-              <a:rPr lang="es-AR" dirty="0">
-                <a:effectLst>
-                  <a:outerShdw blurRad="38100" dist="38100" dir="2700000" algn="tl">
-                    <a:srgbClr val="000000">
-                      <a:alpha val="43137"/>
-                    </a:srgbClr>
-                  </a:outerShdw>
-                </a:effectLst>
-              </a:rPr>
-              <a:t>de diciembre </a:t>
-            </a:r>
-            <a:r>
-              <a:rPr lang="es-AR" dirty="0" smtClean="0">
-                <a:effectLst>
-                  <a:outerShdw blurRad="38100" dist="38100" dir="2700000" algn="tl">
-                    <a:srgbClr val="000000">
-                      <a:alpha val="43137"/>
-                    </a:srgbClr>
-                  </a:outerShdw>
-                </a:effectLst>
-              </a:rPr>
-              <a:t>10</a:t>
-            </a:r>
-            <a:r>
-              <a:rPr lang="es-AR" dirty="0">
-                <a:effectLst>
-                  <a:outerShdw blurRad="38100" dist="38100" dir="2700000" algn="tl">
-                    <a:srgbClr val="000000">
-                      <a:alpha val="43137"/>
-                    </a:srgbClr>
-                  </a:outerShdw>
-                </a:effectLst>
-              </a:rPr>
-              <a:t> a.m.</a:t>
-            </a:r>
             <a:endParaRPr lang="es-AR" dirty="0" smtClean="0">
               <a:effectLst>
                 <a:outerShdw blurRad="38100" dist="38100" dir="2700000" algn="tl">
@@ -10121,19 +10151,7 @@
                   </a:outerShdw>
                 </a:effectLst>
               </a:rPr>
-              <a:t>se </a:t>
-            </a:r>
-            <a:r>
-              <a:rPr lang="es-AR" smtClean="0">
-                <a:effectLst>
-                  <a:outerShdw blurRad="38100" dist="38100" dir="2700000" algn="tl">
-                    <a:srgbClr val="000000">
-                      <a:alpha val="43137"/>
-                    </a:srgbClr>
-                  </a:outerShdw>
-                </a:effectLst>
-              </a:rPr>
-              <a:t>realizan en </a:t>
+              <a:t>se realizan en </a:t>
             </a:r>
             <a:r>
               <a:rPr lang="es-AR" dirty="0" smtClean="0">
@@ -10271,7 +10289,31 @@
                   </a:outerShdw>
                 </a:effectLst>
               </a:rPr>
-              <a:t>las materias cuentan con promoción directa.</a:t>
+              <a:t>las materias cuentan con </a:t>
+            </a:r>
+            <a:r>
+              <a:rPr lang="es-AR" dirty="0" smtClean="0">
+                <a:effectLst>
+                  <a:outerShdw blurRad="38100" dist="38100" dir="2700000" algn="tl">
+                    <a:srgbClr val="000000">
+                      <a:alpha val="43137"/>
+                    </a:srgbClr>
+                  </a:outerShdw>
+                </a:effectLst>
+              </a:rPr>
+              <a:t>promoción </a:t>
+            </a:r>
+            <a:r>
+              <a:rPr lang="es-AR" dirty="0" smtClean="0">
+                <a:effectLst>
+                  <a:outerShdw blurRad="38100" dist="38100" dir="2700000" algn="tl">
+                    <a:srgbClr val="000000">
+                      <a:alpha val="43137"/>
+                    </a:srgbClr>
+                  </a:outerShdw>
+                </a:effectLst>
+              </a:rPr>
+              <a:t>directa.</a:t>
             </a:r>
           </a:p>
           <a:p>

--- a/PPTs/Programación y Laboratorio II-201808.pptx
+++ b/PPTs/Programación y Laboratorio II-201808.pptx
@@ -205,7 +205,7 @@
           <a:p>
             <a:fld id="{1E6648A2-EA33-47F9-96A0-CE144141342A}" type="datetimeFigureOut">
               <a:rPr lang="es-AR" smtClean="0"/>
-              <a:t>21/08/2018</a:t>
+              <a:t>23/10/2018</a:t>
             </a:fld>
             <a:endParaRPr lang="es-AR"/>
           </a:p>
@@ -1255,7 +1255,7 @@
           <a:p>
             <a:fld id="{78ABE3C1-DBE1-495D-B57B-2849774B866A}" type="datetimeFigureOut">
               <a:rPr lang="en-US" dirty="0"/>
-              <a:t>8/21/2018</a:t>
+              <a:t>10/23/2018</a:t>
             </a:fld>
             <a:endParaRPr lang="en-US" dirty="0"/>
           </a:p>
@@ -1664,7 +1664,7 @@
           <a:p>
             <a:fld id="{446C117F-5CCF-4837-BE5F-2B92066CAFAF}" type="datetimeFigureOut">
               <a:rPr lang="en-US" dirty="0"/>
-              <a:t>8/21/2018</a:t>
+              <a:t>10/23/2018</a:t>
             </a:fld>
             <a:endParaRPr lang="en-US" dirty="0"/>
           </a:p>
@@ -1995,7 +1995,7 @@
           <a:p>
             <a:fld id="{84EB90BD-B6CE-46B7-997F-7313B992CCDC}" type="datetimeFigureOut">
               <a:rPr lang="en-US" dirty="0"/>
-              <a:t>8/21/2018</a:t>
+              <a:t>10/23/2018</a:t>
             </a:fld>
             <a:endParaRPr lang="en-US" dirty="0"/>
           </a:p>
@@ -2395,7 +2395,7 @@
           <a:p>
             <a:fld id="{CDB9D11F-B188-461D-B23F-39381795C052}" type="datetimeFigureOut">
               <a:rPr lang="en-US" dirty="0"/>
-              <a:t>8/21/2018</a:t>
+              <a:t>10/23/2018</a:t>
             </a:fld>
             <a:endParaRPr lang="en-US" dirty="0"/>
           </a:p>
@@ -2958,7 +2958,7 @@
           <a:p>
             <a:fld id="{52E6D8D9-55A2-4063-B0F3-121F44549695}" type="datetimeFigureOut">
               <a:rPr lang="en-US" dirty="0"/>
-              <a:t>8/21/2018</a:t>
+              <a:t>10/23/2018</a:t>
             </a:fld>
             <a:endParaRPr lang="en-US" dirty="0"/>
           </a:p>
@@ -3634,7 +3634,7 @@
           <a:p>
             <a:fld id="{D4B24536-994D-4021-A283-9F449C0DB509}" type="datetimeFigureOut">
               <a:rPr lang="en-US" dirty="0"/>
-              <a:t>8/21/2018</a:t>
+              <a:t>10/23/2018</a:t>
             </a:fld>
             <a:endParaRPr lang="en-US" dirty="0"/>
           </a:p>
@@ -4542,7 +4542,7 @@
           <a:p>
             <a:fld id="{3CBBBB78-C96F-47B7-AB17-D852CA960AC9}" type="datetimeFigureOut">
               <a:rPr lang="en-US" dirty="0"/>
-              <a:t>8/21/2018</a:t>
+              <a:t>10/23/2018</a:t>
             </a:fld>
             <a:endParaRPr lang="en-US" dirty="0"/>
           </a:p>
@@ -4850,7 +4850,7 @@
           <a:p>
             <a:fld id="{1FA3F48C-C7C6-4055-9F49-3777875E72AE}" type="datetimeFigureOut">
               <a:rPr lang="en-US" dirty="0"/>
-              <a:t>8/21/2018</a:t>
+              <a:t>10/23/2018</a:t>
             </a:fld>
             <a:endParaRPr lang="en-US" dirty="0"/>
           </a:p>
@@ -5109,7 +5109,7 @@
           <a:p>
             <a:fld id="{6178E61D-D431-422C-9764-11DAFE33AB63}" type="datetimeFigureOut">
               <a:rPr lang="en-US" dirty="0"/>
-              <a:t>8/21/2018</a:t>
+              <a:t>10/23/2018</a:t>
             </a:fld>
             <a:endParaRPr lang="en-US" dirty="0"/>
           </a:p>
@@ -5428,7 +5428,7 @@
           <a:p>
             <a:fld id="{12DE42F4-6EEF-4EF7-8ED4-2208F0F89A08}" type="datetimeFigureOut">
               <a:rPr lang="en-US" dirty="0"/>
-              <a:t>8/21/2018</a:t>
+              <a:t>10/23/2018</a:t>
             </a:fld>
             <a:endParaRPr lang="en-US" dirty="0"/>
           </a:p>
@@ -5812,7 +5812,7 @@
           <a:p>
             <a:fld id="{30578ACC-22D6-47C1-A373-4FD133E34F3C}" type="datetimeFigureOut">
               <a:rPr lang="en-US" dirty="0"/>
-              <a:t>8/21/2018</a:t>
+              <a:t>10/23/2018</a:t>
             </a:fld>
             <a:endParaRPr lang="en-US" dirty="0"/>
           </a:p>
@@ -6183,7 +6183,7 @@
           <a:p>
             <a:fld id="{4E5A6C69-6797-4E8A-BF37-F2C3751466E9}" type="datetimeFigureOut">
               <a:rPr lang="en-US" dirty="0"/>
-              <a:t>8/21/2018</a:t>
+              <a:t>10/23/2018</a:t>
             </a:fld>
             <a:endParaRPr lang="en-US" dirty="0"/>
           </a:p>
@@ -6684,7 +6684,7 @@
           <a:p>
             <a:fld id="{D82014A1-A632-4878-A0D3-F52BA7563730}" type="datetimeFigureOut">
               <a:rPr lang="en-US" dirty="0"/>
-              <a:t>8/21/2018</a:t>
+              <a:t>10/23/2018</a:t>
             </a:fld>
             <a:endParaRPr lang="en-US" dirty="0"/>
           </a:p>
@@ -6936,7 +6936,7 @@
           <a:p>
             <a:fld id="{CE99F462-093F-4566-844B-4C71F2739DA5}" type="datetimeFigureOut">
               <a:rPr lang="en-US" dirty="0"/>
-              <a:t>8/21/2018</a:t>
+              <a:t>10/23/2018</a:t>
             </a:fld>
             <a:endParaRPr lang="en-US" dirty="0"/>
           </a:p>
@@ -7094,7 +7094,7 @@
           <a:p>
             <a:fld id="{3D24A7AC-904D-4781-85BA-7D10C17ED021}" type="datetimeFigureOut">
               <a:rPr lang="en-US" dirty="0"/>
-              <a:t>8/21/2018</a:t>
+              <a:t>10/23/2018</a:t>
             </a:fld>
             <a:endParaRPr lang="en-US" dirty="0"/>
           </a:p>
@@ -7479,7 +7479,7 @@
           <a:p>
             <a:fld id="{E331444B-B92B-4E27-8C94-BB93EAF5CB18}" type="datetimeFigureOut">
               <a:rPr lang="en-US" dirty="0"/>
-              <a:t>8/21/2018</a:t>
+              <a:t>10/23/2018</a:t>
             </a:fld>
             <a:endParaRPr lang="en-US" dirty="0"/>
           </a:p>
@@ -7883,7 +7883,7 @@
           <a:p>
             <a:fld id="{363EFA5E-FA76-400D-B3DC-F0BA90E6D107}" type="datetimeFigureOut">
               <a:rPr lang="en-US" dirty="0"/>
-              <a:t>8/21/2018</a:t>
+              <a:t>10/23/2018</a:t>
             </a:fld>
             <a:endParaRPr lang="en-US" dirty="0"/>
           </a:p>
@@ -8122,7 +8122,7 @@
           <a:p>
             <a:fld id="{9D6E9DEC-419B-4CC5-A080-3B06BD5A8291}" type="datetimeFigureOut">
               <a:rPr lang="en-US" dirty="0"/>
-              <a:t>8/21/2018</a:t>
+              <a:t>10/23/2018</a:t>
             </a:fld>
             <a:endParaRPr lang="en-US" dirty="0"/>
           </a:p>
@@ -9341,8 +9341,11 @@
                   </a:outerShdw>
                 </a:effectLst>
               </a:rPr>
-              <a:t>Programación </a:t>
-            </a:r>
+              <a:t>Programación II</a:t>
+            </a:r>
+          </a:p>
+          <a:p>
+            <a:pPr lvl="1"/>
             <a:r>
               <a:rPr lang="es-AR" dirty="0" smtClean="0">
                 <a:effectLst>
@@ -9353,46 +9356,7 @@
                   </a:outerShdw>
                 </a:effectLst>
               </a:rPr>
-              <a:t>II</a:t>
-            </a:r>
-          </a:p>
-          <a:p>
-            <a:pPr lvl="1"/>
-            <a:r>
-              <a:rPr lang="es-AR" dirty="0" smtClean="0">
-                <a:effectLst>
-                  <a:outerShdw blurRad="38100" dist="38100" dir="2700000" algn="tl">
-                    <a:srgbClr val="000000">
-                      <a:alpha val="43137"/>
-                    </a:srgbClr>
-                  </a:outerShdw>
-                </a:effectLst>
-              </a:rPr>
-              <a:t>Cursada día Miércoles: 10 de </a:t>
-            </a:r>
-            <a:r>
-              <a:rPr lang="es-AR" dirty="0" smtClean="0">
-                <a:effectLst>
-                  <a:outerShdw blurRad="38100" dist="38100" dir="2700000" algn="tl">
-                    <a:srgbClr val="000000">
-                      <a:alpha val="43137"/>
-                    </a:srgbClr>
-                  </a:outerShdw>
-                </a:effectLst>
-              </a:rPr>
-              <a:t>Octubre y 21 de Noviembre </a:t>
-            </a:r>
-            <a:r>
-              <a:rPr lang="es-AR" dirty="0" smtClean="0">
-                <a:effectLst>
-                  <a:outerShdw blurRad="38100" dist="38100" dir="2700000" algn="tl">
-                    <a:srgbClr val="000000">
-                      <a:alpha val="43137"/>
-                    </a:srgbClr>
-                  </a:outerShdw>
-                </a:effectLst>
-              </a:rPr>
-              <a:t>18:30hs</a:t>
+              <a:t>Cursada día Miércoles: 10 de Octubre y 21 de Noviembre 18:30hs</a:t>
             </a:r>
           </a:p>
           <a:p>
@@ -9432,7 +9396,7 @@
                   </a:outerShdw>
                 </a:effectLst>
               </a:rPr>
-              <a:t>Cursada día Martes: 2 de </a:t>
+              <a:t>Cursada día Martes: 2 de Octubre y </a:t>
             </a:r>
             <a:r>
               <a:rPr lang="es-AR" dirty="0" smtClean="0">
@@ -9444,7 +9408,7 @@
                   </a:outerShdw>
                 </a:effectLst>
               </a:rPr>
-              <a:t>Octubre y 13 de Noviembre </a:t>
+              <a:t>20 </a:t>
             </a:r>
             <a:r>
               <a:rPr lang="es-AR" dirty="0" smtClean="0">
@@ -9456,7 +9420,7 @@
                   </a:outerShdw>
                 </a:effectLst>
               </a:rPr>
-              <a:t>18:30hs</a:t>
+              <a:t>de Noviembre 18:30hs</a:t>
             </a:r>
           </a:p>
           <a:p>
@@ -9495,7 +9459,31 @@
                   </a:outerShdw>
                 </a:effectLst>
               </a:rPr>
-              <a:t>Octubre y 15 de Noviembre </a:t>
+              <a:t>Octubre y </a:t>
+            </a:r>
+            <a:r>
+              <a:rPr lang="es-AR" dirty="0" smtClean="0">
+                <a:effectLst>
+                  <a:outerShdw blurRad="38100" dist="38100" dir="2700000" algn="tl">
+                    <a:srgbClr val="000000">
+                      <a:alpha val="43137"/>
+                    </a:srgbClr>
+                  </a:outerShdw>
+                </a:effectLst>
+              </a:rPr>
+              <a:t>15 </a:t>
+            </a:r>
+            <a:r>
+              <a:rPr lang="es-AR" dirty="0" smtClean="0">
+                <a:effectLst>
+                  <a:outerShdw blurRad="38100" dist="38100" dir="2700000" algn="tl">
+                    <a:srgbClr val="000000">
+                      <a:alpha val="43137"/>
+                    </a:srgbClr>
+                  </a:outerShdw>
+                </a:effectLst>
+              </a:rPr>
+              <a:t>de Noviembre </a:t>
             </a:r>
             <a:r>
               <a:rPr lang="es-AR" dirty="0">
@@ -10289,31 +10277,7 @@
                   </a:outerShdw>
                 </a:effectLst>
               </a:rPr>
-              <a:t>las materias cuentan con </a:t>
-            </a:r>
-            <a:r>
-              <a:rPr lang="es-AR" dirty="0" smtClean="0">
-                <a:effectLst>
-                  <a:outerShdw blurRad="38100" dist="38100" dir="2700000" algn="tl">
-                    <a:srgbClr val="000000">
-                      <a:alpha val="43137"/>
-                    </a:srgbClr>
-                  </a:outerShdw>
-                </a:effectLst>
-              </a:rPr>
-              <a:t>promoción </a:t>
-            </a:r>
-            <a:r>
-              <a:rPr lang="es-AR" dirty="0" smtClean="0">
-                <a:effectLst>
-                  <a:outerShdw blurRad="38100" dist="38100" dir="2700000" algn="tl">
-                    <a:srgbClr val="000000">
-                      <a:alpha val="43137"/>
-                    </a:srgbClr>
-                  </a:outerShdw>
-                </a:effectLst>
-              </a:rPr>
-              <a:t>directa.</a:t>
+              <a:t>las materias cuentan con promoción directa.</a:t>
             </a:r>
           </a:p>
           <a:p>
